--- a/materials/slides/ch14-how-to-send-image-and-video.pptx
+++ b/materials/slides/ch14-how-to-send-image-and-video.pptx
@@ -225,7 +225,7 @@
           <a:p>
             <a:fld id="{E923E828-953C-4D4A-9B10-11E7329F433D}" type="datetimeFigureOut">
               <a:rPr lang="zh-CN" altLang="en-US" smtClean="0"/>
-              <a:t>2018/2/28</a:t>
+              <a:t>2018/3/1</a:t>
             </a:fld>
             <a:endParaRPr lang="zh-CN" altLang="en-US"/>
           </a:p>
@@ -406,7 +406,7 @@
           <a:p>
             <a:fld id="{867C5346-22E5-4085-8130-851344A84DFF}" type="datetimeFigureOut">
               <a:rPr lang="zh-CN" altLang="en-US" smtClean="0"/>
-              <a:t>2018/2/28</a:t>
+              <a:t>2018/3/1</a:t>
             </a:fld>
             <a:endParaRPr lang="zh-CN" altLang="en-US"/>
           </a:p>
@@ -1672,7 +1672,7 @@
           <a:p>
             <a:fld id="{A5E21016-498F-4141-B0CA-D95A38CA7D62}" type="datetimeFigureOut">
               <a:rPr lang="zh-CN" altLang="en-US" smtClean="0"/>
-              <a:t>2018/2/28</a:t>
+              <a:t>2018/3/1</a:t>
             </a:fld>
             <a:endParaRPr lang="zh-CN" altLang="en-US"/>
           </a:p>
@@ -1902,7 +1902,7 @@
           <a:p>
             <a:fld id="{A5E21016-498F-4141-B0CA-D95A38CA7D62}" type="datetimeFigureOut">
               <a:rPr lang="zh-CN" altLang="en-US" smtClean="0"/>
-              <a:t>2018/2/28</a:t>
+              <a:t>2018/3/1</a:t>
             </a:fld>
             <a:endParaRPr lang="zh-CN" altLang="en-US"/>
           </a:p>
@@ -2137,7 +2137,7 @@
           <a:p>
             <a:fld id="{A5E21016-498F-4141-B0CA-D95A38CA7D62}" type="datetimeFigureOut">
               <a:rPr lang="zh-CN" altLang="en-US" smtClean="0"/>
-              <a:t>2018/2/28</a:t>
+              <a:t>2018/3/1</a:t>
             </a:fld>
             <a:endParaRPr lang="zh-CN" altLang="en-US"/>
           </a:p>
@@ -2699,7 +2699,7 @@
           <a:p>
             <a:fld id="{A5E21016-498F-4141-B0CA-D95A38CA7D62}" type="datetimeFigureOut">
               <a:rPr lang="zh-CN" altLang="en-US" smtClean="0"/>
-              <a:t>2018/2/28</a:t>
+              <a:t>2018/3/1</a:t>
             </a:fld>
             <a:endParaRPr lang="zh-CN" altLang="en-US"/>
           </a:p>
@@ -2996,7 +2996,7 @@
           <a:p>
             <a:fld id="{A5E21016-498F-4141-B0CA-D95A38CA7D62}" type="datetimeFigureOut">
               <a:rPr lang="zh-CN" altLang="en-US" smtClean="0"/>
-              <a:t>2018/2/28</a:t>
+              <a:t>2018/3/1</a:t>
             </a:fld>
             <a:endParaRPr lang="zh-CN" altLang="en-US"/>
           </a:p>
@@ -3435,7 +3435,7 @@
           <a:p>
             <a:fld id="{A5E21016-498F-4141-B0CA-D95A38CA7D62}" type="datetimeFigureOut">
               <a:rPr lang="zh-CN" altLang="en-US" smtClean="0"/>
-              <a:t>2018/2/28</a:t>
+              <a:t>2018/3/1</a:t>
             </a:fld>
             <a:endParaRPr lang="zh-CN" altLang="en-US"/>
           </a:p>
@@ -3608,7 +3608,7 @@
           <a:p>
             <a:fld id="{A5E21016-498F-4141-B0CA-D95A38CA7D62}" type="datetimeFigureOut">
               <a:rPr lang="zh-CN" altLang="en-US" smtClean="0"/>
-              <a:t>2018/2/28</a:t>
+              <a:t>2018/3/1</a:t>
             </a:fld>
             <a:endParaRPr lang="zh-CN" altLang="en-US"/>
           </a:p>
@@ -3745,7 +3745,7 @@
           <a:p>
             <a:fld id="{A5E21016-498F-4141-B0CA-D95A38CA7D62}" type="datetimeFigureOut">
               <a:rPr lang="zh-CN" altLang="en-US" smtClean="0"/>
-              <a:t>2018/2/28</a:t>
+              <a:t>2018/3/1</a:t>
             </a:fld>
             <a:endParaRPr lang="zh-CN" altLang="en-US"/>
           </a:p>
@@ -4083,7 +4083,7 @@
           <a:p>
             <a:fld id="{A5E21016-498F-4141-B0CA-D95A38CA7D62}" type="datetimeFigureOut">
               <a:rPr lang="zh-CN" altLang="en-US" smtClean="0"/>
-              <a:t>2018/2/28</a:t>
+              <a:t>2018/3/1</a:t>
             </a:fld>
             <a:endParaRPr lang="zh-CN" altLang="en-US"/>
           </a:p>
@@ -4398,7 +4398,7 @@
           <a:p>
             <a:fld id="{A5E21016-498F-4141-B0CA-D95A38CA7D62}" type="datetimeFigureOut">
               <a:rPr lang="zh-CN" altLang="en-US" smtClean="0"/>
-              <a:t>2018/2/28</a:t>
+              <a:t>2018/3/1</a:t>
             </a:fld>
             <a:endParaRPr lang="zh-CN" altLang="en-US"/>
           </a:p>
@@ -5522,8 +5522,20 @@
           <a:lstStyle/>
           <a:p>
             <a:r>
+              <a:rPr lang="en-US" altLang="zh-CN" sz="2000" dirty="0"/>
+              <a:t>LNMP</a:t>
+            </a:r>
+            <a:r>
               <a:rPr lang="zh-CN" altLang="en-US" sz="2000" dirty="0"/>
-              <a:t>类型：很简单的聊天室程序。先不做验证功能，仅仅基于连接。</a:t>
+              <a:t>方式实现一个图片</a:t>
+            </a:r>
+            <a:r>
+              <a:rPr lang="en-US" altLang="zh-CN" sz="2000" dirty="0"/>
+              <a:t>/</a:t>
+            </a:r>
+            <a:r>
+              <a:rPr lang="zh-CN" altLang="en-US" sz="2000" dirty="0"/>
+              <a:t>视频上传的服务。</a:t>
             </a:r>
             <a:endParaRPr lang="en-US" altLang="zh-CN" sz="2000" dirty="0"/>
           </a:p>
@@ -5533,23 +5545,23 @@
           <a:p>
             <a:r>
               <a:rPr lang="zh-CN" altLang="en-US" sz="2000" dirty="0"/>
-              <a:t>使用</a:t>
+              <a:t>上传服务会返回已上传资源的</a:t>
             </a:r>
             <a:r>
               <a:rPr lang="en-US" altLang="zh-CN" sz="2000" dirty="0" err="1"/>
-              <a:t>Swoole</a:t>
-            </a:r>
-            <a:r>
-              <a:rPr lang="en-US" altLang="zh-CN" sz="2000" dirty="0"/>
-              <a:t> + </a:t>
+              <a:t>meida_id</a:t>
+            </a:r>
+            <a:r>
+              <a:rPr lang="zh-CN" altLang="en-US" sz="2000" dirty="0"/>
+              <a:t>以及</a:t>
             </a:r>
             <a:r>
               <a:rPr lang="en-US" altLang="zh-CN" sz="2000" dirty="0" err="1"/>
-              <a:t>Websocket</a:t>
+              <a:t>media_type</a:t>
             </a:r>
             <a:r>
               <a:rPr lang="zh-CN" altLang="en-US" sz="2000" dirty="0"/>
-              <a:t>协议可以实现服务器实时推送。</a:t>
+              <a:t>等信息。</a:t>
             </a:r>
             <a:endParaRPr lang="en-US" altLang="zh-CN" sz="2000" dirty="0"/>
           </a:p>
@@ -5557,18 +5569,6 @@
             <a:endParaRPr lang="en-US" altLang="zh-CN" sz="2000" dirty="0"/>
           </a:p>
           <a:p>
-            <a:r>
-              <a:rPr lang="zh-CN" altLang="en-US" sz="2000" dirty="0"/>
-              <a:t>使用</a:t>
-            </a:r>
-            <a:r>
-              <a:rPr lang="en-US" altLang="zh-CN" sz="2000" dirty="0"/>
-              <a:t>Memcached</a:t>
-            </a:r>
-            <a:r>
-              <a:rPr lang="zh-CN" altLang="en-US" sz="2000" dirty="0"/>
-              <a:t>缓存连接信息。</a:t>
-            </a:r>
             <a:endParaRPr lang="en-US" altLang="zh-CN" sz="2000" dirty="0"/>
           </a:p>
           <a:p>
